--- a/fall2016/lectures/2-Ethics.pptx
+++ b/fall2016/lectures/2-Ethics.pptx
@@ -239,7 +239,7 @@
           <a:p>
             <a:fld id="{2ECEB4B9-8CA5-7946-BF19-927FD02F3EFF}" type="datetimeFigureOut">
               <a:rPr lang="en-US" smtClean="0"/>
-              <a:t>9/18/16</a:t>
+              <a:t>9/19/16</a:t>
             </a:fld>
             <a:endParaRPr lang="en-US"/>
           </a:p>
@@ -3574,7 +3574,6 @@
               <a:rPr lang="en-US" dirty="0" smtClean="0"/>
               <a:t>Analysis of this malware family shows a continuing trend toward sophistication in response to mitigation by the defenders of users. This prompts researchers to hypothesize on the future techniques that attackers might employ to avoid detection. </a:t>
             </a:r>
-            <a:endParaRPr lang="en-US" dirty="0" smtClean="0"/>
           </a:p>
           <a:p>
             <a:pPr marL="0" marR="0" indent="0" algn="l" defTabSz="457200" rtl="0" eaLnBrk="1" fontAlgn="auto" latinLnBrk="0" hangingPunct="1">
@@ -3616,11 +3615,7 @@
             </a:pPr>
             <a:r>
               <a:rPr lang="en-US" b="1" dirty="0" smtClean="0"/>
-              <a:t>The </a:t>
-            </a:r>
-            <a:r>
-              <a:rPr lang="en-US" b="1" dirty="0" smtClean="0"/>
-              <a:t>researchers suggest and publish several such, yet </a:t>
+              <a:t>The researchers suggest and publish several such, yet </a:t>
             </a:r>
             <a:r>
               <a:rPr lang="en-US" b="1" dirty="0" err="1" smtClean="0"/>
@@ -5190,7 +5185,7 @@
           <a:p>
             <a:fld id="{91D897E4-3943-5E43-BF93-4ABB5102C73B}" type="datetimeFigureOut">
               <a:rPr lang="en-US" smtClean="0"/>
-              <a:t>9/18/16</a:t>
+              <a:t>9/19/16</a:t>
             </a:fld>
             <a:endParaRPr lang="en-US"/>
           </a:p>
@@ -5360,7 +5355,7 @@
           <a:p>
             <a:fld id="{91D897E4-3943-5E43-BF93-4ABB5102C73B}" type="datetimeFigureOut">
               <a:rPr lang="en-US" smtClean="0"/>
-              <a:t>9/18/16</a:t>
+              <a:t>9/19/16</a:t>
             </a:fld>
             <a:endParaRPr lang="en-US"/>
           </a:p>
@@ -5540,7 +5535,7 @@
           <a:p>
             <a:fld id="{91D897E4-3943-5E43-BF93-4ABB5102C73B}" type="datetimeFigureOut">
               <a:rPr lang="en-US" smtClean="0"/>
-              <a:t>9/18/16</a:t>
+              <a:t>9/19/16</a:t>
             </a:fld>
             <a:endParaRPr lang="en-US"/>
           </a:p>
@@ -5710,7 +5705,7 @@
           <a:p>
             <a:fld id="{91D897E4-3943-5E43-BF93-4ABB5102C73B}" type="datetimeFigureOut">
               <a:rPr lang="en-US" smtClean="0"/>
-              <a:t>9/18/16</a:t>
+              <a:t>9/19/16</a:t>
             </a:fld>
             <a:endParaRPr lang="en-US"/>
           </a:p>
@@ -5956,7 +5951,7 @@
           <a:p>
             <a:fld id="{91D897E4-3943-5E43-BF93-4ABB5102C73B}" type="datetimeFigureOut">
               <a:rPr lang="en-US" smtClean="0"/>
-              <a:t>9/18/16</a:t>
+              <a:t>9/19/16</a:t>
             </a:fld>
             <a:endParaRPr lang="en-US"/>
           </a:p>
@@ -6244,7 +6239,7 @@
           <a:p>
             <a:fld id="{91D897E4-3943-5E43-BF93-4ABB5102C73B}" type="datetimeFigureOut">
               <a:rPr lang="en-US" smtClean="0"/>
-              <a:t>9/18/16</a:t>
+              <a:t>9/19/16</a:t>
             </a:fld>
             <a:endParaRPr lang="en-US"/>
           </a:p>
@@ -6671,7 +6666,7 @@
           <a:p>
             <a:fld id="{91D897E4-3943-5E43-BF93-4ABB5102C73B}" type="datetimeFigureOut">
               <a:rPr lang="en-US" smtClean="0"/>
-              <a:t>9/18/16</a:t>
+              <a:t>9/19/16</a:t>
             </a:fld>
             <a:endParaRPr lang="en-US"/>
           </a:p>
@@ -6789,7 +6784,7 @@
           <a:p>
             <a:fld id="{91D897E4-3943-5E43-BF93-4ABB5102C73B}" type="datetimeFigureOut">
               <a:rPr lang="en-US" smtClean="0"/>
-              <a:t>9/18/16</a:t>
+              <a:t>9/19/16</a:t>
             </a:fld>
             <a:endParaRPr lang="en-US"/>
           </a:p>
@@ -6884,7 +6879,7 @@
           <a:p>
             <a:fld id="{91D897E4-3943-5E43-BF93-4ABB5102C73B}" type="datetimeFigureOut">
               <a:rPr lang="en-US" smtClean="0"/>
-              <a:t>9/18/16</a:t>
+              <a:t>9/19/16</a:t>
             </a:fld>
             <a:endParaRPr lang="en-US"/>
           </a:p>
@@ -7161,7 +7156,7 @@
           <a:p>
             <a:fld id="{91D897E4-3943-5E43-BF93-4ABB5102C73B}" type="datetimeFigureOut">
               <a:rPr lang="en-US" smtClean="0"/>
-              <a:t>9/18/16</a:t>
+              <a:t>9/19/16</a:t>
             </a:fld>
             <a:endParaRPr lang="en-US"/>
           </a:p>
@@ -7414,7 +7409,7 @@
           <a:p>
             <a:fld id="{91D897E4-3943-5E43-BF93-4ABB5102C73B}" type="datetimeFigureOut">
               <a:rPr lang="en-US" smtClean="0"/>
-              <a:t>9/18/16</a:t>
+              <a:t>9/19/16</a:t>
             </a:fld>
             <a:endParaRPr lang="en-US"/>
           </a:p>
@@ -7627,7 +7622,7 @@
           <a:p>
             <a:fld id="{91D897E4-3943-5E43-BF93-4ABB5102C73B}" type="datetimeFigureOut">
               <a:rPr lang="en-US" smtClean="0"/>
-              <a:t>9/18/16</a:t>
+              <a:t>9/19/16</a:t>
             </a:fld>
             <a:endParaRPr lang="en-US"/>
           </a:p>
@@ -8070,6 +8065,13 @@
   <p:clrMapOvr>
     <a:masterClrMapping/>
   </p:clrMapOvr>
+  <p:timing>
+    <p:tnLst>
+      <p:par>
+        <p:cTn xmlns:p14="http://schemas.microsoft.com/office/powerpoint/2010/main" id="1" dur="indefinite" restart="never" nodeType="tmRoot"/>
+      </p:par>
+    </p:tnLst>
+  </p:timing>
 </p:sld>
 </file>
 
@@ -8234,6 +8236,13 @@
   <p:clrMapOvr>
     <a:masterClrMapping/>
   </p:clrMapOvr>
+  <p:timing>
+    <p:tnLst>
+      <p:par>
+        <p:cTn xmlns:p14="http://schemas.microsoft.com/office/powerpoint/2010/main" id="1" dur="indefinite" restart="never" nodeType="tmRoot"/>
+      </p:par>
+    </p:tnLst>
+  </p:timing>
 </p:sld>
 </file>
 
@@ -8330,6 +8339,13 @@
   <p:clrMapOvr>
     <a:masterClrMapping/>
   </p:clrMapOvr>
+  <p:timing>
+    <p:tnLst>
+      <p:par>
+        <p:cTn xmlns:p14="http://schemas.microsoft.com/office/powerpoint/2010/main" id="1" dur="indefinite" restart="never" nodeType="tmRoot"/>
+      </p:par>
+    </p:tnLst>
+  </p:timing>
 </p:sld>
 </file>
 
@@ -8429,6 +8445,13 @@
   <p:clrMapOvr>
     <a:masterClrMapping/>
   </p:clrMapOvr>
+  <p:timing>
+    <p:tnLst>
+      <p:par>
+        <p:cTn xmlns:p14="http://schemas.microsoft.com/office/powerpoint/2010/main" id="1" dur="indefinite" restart="never" nodeType="tmRoot"/>
+      </p:par>
+    </p:tnLst>
+  </p:timing>
 </p:sld>
 </file>
 
@@ -8572,6 +8595,13 @@
   <p:clrMapOvr>
     <a:masterClrMapping/>
   </p:clrMapOvr>
+  <p:timing>
+    <p:tnLst>
+      <p:par>
+        <p:cTn xmlns:p14="http://schemas.microsoft.com/office/powerpoint/2010/main" id="1" dur="indefinite" restart="never" nodeType="tmRoot"/>
+      </p:par>
+    </p:tnLst>
+  </p:timing>
 </p:sld>
 </file>
 
@@ -8666,6 +8696,13 @@
   <p:clrMapOvr>
     <a:masterClrMapping/>
   </p:clrMapOvr>
+  <p:timing>
+    <p:tnLst>
+      <p:par>
+        <p:cTn xmlns:p14="http://schemas.microsoft.com/office/powerpoint/2010/main" id="1" dur="indefinite" restart="never" nodeType="tmRoot"/>
+      </p:par>
+    </p:tnLst>
+  </p:timing>
 </p:sld>
 </file>
 
@@ -8781,6 +8818,13 @@
   <p:clrMapOvr>
     <a:masterClrMapping/>
   </p:clrMapOvr>
+  <p:timing>
+    <p:tnLst>
+      <p:par>
+        <p:cTn xmlns:p14="http://schemas.microsoft.com/office/powerpoint/2010/main" id="1" dur="indefinite" restart="never" nodeType="tmRoot"/>
+      </p:par>
+    </p:tnLst>
+  </p:timing>
 </p:sld>
 </file>
 
@@ -8835,6 +8879,13 @@
   <p:clrMapOvr>
     <a:masterClrMapping/>
   </p:clrMapOvr>
+  <p:timing>
+    <p:tnLst>
+      <p:par>
+        <p:cTn xmlns:p14="http://schemas.microsoft.com/office/powerpoint/2010/main" id="1" dur="indefinite" restart="never" nodeType="tmRoot"/>
+      </p:par>
+    </p:tnLst>
+  </p:timing>
 </p:sld>
 </file>
 
@@ -8875,7 +8926,6 @@
               <a:rPr lang="en-US" dirty="0" smtClean="0"/>
               <a:t>IRB, Belmont, Menlo</a:t>
             </a:r>
-            <a:endParaRPr lang="en-US" dirty="0" smtClean="0"/>
           </a:p>
         </p:txBody>
       </p:sp>
@@ -8904,11 +8954,7 @@
           <a:p>
             <a:r>
               <a:rPr lang="en-US" sz="2000" dirty="0" smtClean="0"/>
-              <a:t>"Ethical Principles and Guidelines for the Protection of Human Subjects of Research”, United States Department of Health, Education, and Welfare, April 18, 1979 (Belmont Report</a:t>
-            </a:r>
-            <a:r>
-              <a:rPr lang="en-US" sz="2000" dirty="0" smtClean="0"/>
-              <a:t>)</a:t>
+              <a:t>"Ethical Principles and Guidelines for the Protection of Human Subjects of Research”, United States Department of Health, Education, and Welfare, April 18, 1979 (Belmont Report)</a:t>
             </a:r>
             <a:br>
               <a:rPr lang="en-US" sz="2000" dirty="0" smtClean="0"/>
@@ -8960,17 +9006,12 @@
               <a:rPr lang="en-US" sz="2000" b="1" dirty="0" smtClean="0"/>
               <a:t>Justice</a:t>
             </a:r>
-            <a:endParaRPr lang="en-US" sz="2000" b="1" dirty="0" smtClean="0"/>
           </a:p>
           <a:p>
             <a:pPr lvl="1"/>
             <a:r>
               <a:rPr lang="en-US" sz="1800" dirty="0" smtClean="0"/>
-              <a:t>Equitable selection of research </a:t>
-            </a:r>
-            <a:r>
-              <a:rPr lang="en-US" sz="1800" dirty="0" smtClean="0"/>
-              <a:t>subjects</a:t>
+              <a:t>Equitable selection of research subjects</a:t>
             </a:r>
           </a:p>
           <a:p>
@@ -8978,7 +9019,6 @@
               <a:rPr lang="en-US" sz="2200" b="1" dirty="0" smtClean="0"/>
               <a:t>Respect for Law and Public Interest</a:t>
             </a:r>
-            <a:endParaRPr lang="en-US" sz="2200" b="1" dirty="0" smtClean="0"/>
           </a:p>
           <a:p>
             <a:endParaRPr lang="en-US" sz="2000" dirty="0" smtClean="0"/>
@@ -9097,6 +9137,13 @@
   <p:clrMapOvr>
     <a:masterClrMapping/>
   </p:clrMapOvr>
+  <p:timing>
+    <p:tnLst>
+      <p:par>
+        <p:cTn xmlns:p14="http://schemas.microsoft.com/office/powerpoint/2010/main" id="1" dur="indefinite" restart="never" nodeType="tmRoot"/>
+      </p:par>
+    </p:tnLst>
+  </p:timing>
 </p:sld>
 </file>
 
@@ -9236,6 +9283,13 @@
   <p:clrMapOvr>
     <a:masterClrMapping/>
   </p:clrMapOvr>
+  <p:timing>
+    <p:tnLst>
+      <p:par>
+        <p:cTn xmlns:p14="http://schemas.microsoft.com/office/powerpoint/2010/main" id="1" dur="indefinite" restart="never" nodeType="tmRoot"/>
+      </p:par>
+    </p:tnLst>
+  </p:timing>
 </p:sld>
 </file>
 
@@ -9339,6 +9393,13 @@
   <p:clrMapOvr>
     <a:masterClrMapping/>
   </p:clrMapOvr>
+  <p:timing>
+    <p:tnLst>
+      <p:par>
+        <p:cTn xmlns:p14="http://schemas.microsoft.com/office/powerpoint/2010/main" id="1" dur="indefinite" restart="never" nodeType="tmRoot"/>
+      </p:par>
+    </p:tnLst>
+  </p:timing>
 </p:sld>
 </file>
 
@@ -9449,6 +9510,13 @@
   <p:clrMapOvr>
     <a:masterClrMapping/>
   </p:clrMapOvr>
+  <p:timing>
+    <p:tnLst>
+      <p:par>
+        <p:cTn xmlns:p14="http://schemas.microsoft.com/office/powerpoint/2010/main" id="1" dur="indefinite" restart="never" nodeType="tmRoot"/>
+      </p:par>
+    </p:tnLst>
+  </p:timing>
 </p:sld>
 </file>
 
@@ -9532,6 +9600,13 @@
   <p:clrMapOvr>
     <a:masterClrMapping/>
   </p:clrMapOvr>
+  <p:timing>
+    <p:tnLst>
+      <p:par>
+        <p:cTn xmlns:p14="http://schemas.microsoft.com/office/powerpoint/2010/main" id="1" dur="indefinite" restart="never" nodeType="tmRoot"/>
+      </p:par>
+    </p:tnLst>
+  </p:timing>
 </p:sld>
 </file>
 
@@ -9712,6 +9787,13 @@
   <p:clrMapOvr>
     <a:masterClrMapping/>
   </p:clrMapOvr>
+  <p:timing>
+    <p:tnLst>
+      <p:par>
+        <p:cTn xmlns:p14="http://schemas.microsoft.com/office/powerpoint/2010/main" id="1" dur="indefinite" restart="never" nodeType="tmRoot"/>
+      </p:par>
+    </p:tnLst>
+  </p:timing>
 </p:sld>
 </file>
 
@@ -9812,6 +9894,13 @@
   <p:clrMapOvr>
     <a:masterClrMapping/>
   </p:clrMapOvr>
+  <p:timing>
+    <p:tnLst>
+      <p:par>
+        <p:cTn xmlns:p14="http://schemas.microsoft.com/office/powerpoint/2010/main" id="1" dur="indefinite" restart="never" nodeType="tmRoot"/>
+      </p:par>
+    </p:tnLst>
+  </p:timing>
 </p:sld>
 </file>
 
@@ -9916,6 +10005,13 @@
   <p:clrMapOvr>
     <a:masterClrMapping/>
   </p:clrMapOvr>
+  <p:timing>
+    <p:tnLst>
+      <p:par>
+        <p:cTn xmlns:p14="http://schemas.microsoft.com/office/powerpoint/2010/main" id="1" dur="indefinite" restart="never" nodeType="tmRoot"/>
+      </p:par>
+    </p:tnLst>
+  </p:timing>
 </p:sld>
 </file>
 
@@ -10002,6 +10098,13 @@
   <p:clrMapOvr>
     <a:masterClrMapping/>
   </p:clrMapOvr>
+  <p:timing>
+    <p:tnLst>
+      <p:par>
+        <p:cTn xmlns:p14="http://schemas.microsoft.com/office/powerpoint/2010/main" id="1" dur="indefinite" restart="never" nodeType="tmRoot"/>
+      </p:par>
+    </p:tnLst>
+  </p:timing>
 </p:sld>
 </file>
 
@@ -10133,6 +10236,13 @@
   <p:clrMapOvr>
     <a:masterClrMapping/>
   </p:clrMapOvr>
+  <p:timing>
+    <p:tnLst>
+      <p:par>
+        <p:cTn xmlns:p14="http://schemas.microsoft.com/office/powerpoint/2010/main" id="1" dur="indefinite" restart="never" nodeType="tmRoot"/>
+      </p:par>
+    </p:tnLst>
+  </p:timing>
 </p:sld>
 </file>
 
@@ -10442,6 +10552,13 @@
   <p:clrMapOvr>
     <a:masterClrMapping/>
   </p:clrMapOvr>
+  <p:timing>
+    <p:tnLst>
+      <p:par>
+        <p:cTn xmlns:p14="http://schemas.microsoft.com/office/powerpoint/2010/main" id="1" dur="indefinite" restart="never" nodeType="tmRoot"/>
+      </p:par>
+    </p:tnLst>
+  </p:timing>
 </p:sld>
 </file>
 
@@ -10582,11 +10699,7 @@
           <a:p>
             <a:r>
               <a:rPr lang="en-US" dirty="0" smtClean="0"/>
-              <a:t>Office of Researc</a:t>
-            </a:r>
-            <a:r>
-              <a:rPr lang="en-US" dirty="0" smtClean="0"/>
-              <a:t>h Integrity and Assurance</a:t>
+              <a:t>Office of Research Integrity and Assurance</a:t>
             </a:r>
           </a:p>
           <a:p>
@@ -10646,6 +10759,13 @@
   <p:clrMapOvr>
     <a:masterClrMapping/>
   </p:clrMapOvr>
+  <p:timing>
+    <p:tnLst>
+      <p:par>
+        <p:cTn xmlns:p14="http://schemas.microsoft.com/office/powerpoint/2010/main" id="1" dur="indefinite" restart="never" nodeType="tmRoot"/>
+      </p:par>
+    </p:tnLst>
+  </p:timing>
 </p:sld>
 </file>
 
@@ -10683,13 +10803,8 @@
           <a:p>
             <a:r>
               <a:rPr lang="en-US" dirty="0" smtClean="0"/>
-              <a:t>What </a:t>
-            </a:r>
-            <a:r>
-              <a:rPr lang="en-US" dirty="0" smtClean="0"/>
-              <a:t>is “Ethics”?</a:t>
-            </a:r>
-            <a:endParaRPr lang="en-US" dirty="0" smtClean="0"/>
+              <a:t>What is “Ethics”?</a:t>
+            </a:r>
           </a:p>
         </p:txBody>
       </p:sp>
@@ -10712,13 +10827,8 @@
           <a:p>
             <a:r>
               <a:rPr lang="en-US" dirty="0" smtClean="0"/>
-              <a:t>“Ethics </a:t>
-            </a:r>
-            <a:r>
-              <a:rPr lang="en-US" dirty="0" smtClean="0"/>
-              <a:t>(or moral philosophy) involves systematizing, defending, and recommending concepts of right and wrong behavior.” </a:t>
-            </a:r>
-            <a:endParaRPr lang="en-US" dirty="0" smtClean="0"/>
+              <a:t>“Ethics (or moral philosophy) involves systematizing, defending, and recommending concepts of right and wrong behavior.” </a:t>
+            </a:r>
           </a:p>
           <a:p>
             <a:endParaRPr lang="en-US" dirty="0" smtClean="0"/>
@@ -10746,7 +10856,6 @@
               <a:rPr lang="en-US" dirty="0" smtClean="0"/>
               <a:t>Deontology</a:t>
             </a:r>
-            <a:endParaRPr lang="en-US" dirty="0" smtClean="0"/>
           </a:p>
         </p:txBody>
       </p:sp>
@@ -10862,21 +10971,8 @@
             <a:pPr lvl="1"/>
             <a:r>
               <a:rPr lang="en-US" dirty="0" smtClean="0"/>
-              <a:t>commits members </a:t>
-            </a:r>
-            <a:r>
-              <a:rPr lang="en-US" dirty="0" smtClean="0"/>
-              <a:t>“to </a:t>
-            </a:r>
-            <a:r>
-              <a:rPr lang="en-US" dirty="0" smtClean="0"/>
-              <a:t>the highest ethical and professional conduct”. Members agree to avoid conflicts of interest, be honest, engage in responsible decision making, accept criticism of work, </a:t>
-            </a:r>
-            <a:r>
-              <a:rPr lang="en-US" dirty="0" smtClean="0"/>
-              <a:t>etc.</a:t>
-            </a:r>
-            <a:endParaRPr lang="en-US" dirty="0" smtClean="0"/>
+              <a:t>commits members “to the highest ethical and professional conduct”. Members agree to avoid conflicts of interest, be honest, engage in responsible decision making, accept criticism of work, etc.</a:t>
+            </a:r>
           </a:p>
           <a:p>
             <a:r>
@@ -10948,11 +11044,7 @@
             <a:pPr eaLnBrk="1" hangingPunct="1"/>
             <a:r>
               <a:rPr lang="en-US" dirty="0" smtClean="0"/>
-              <a:t>(Other) Existing </a:t>
-            </a:r>
-            <a:r>
-              <a:rPr lang="en-US" dirty="0" smtClean="0"/>
-              <a:t>Ethics Standards</a:t>
+              <a:t>(Other) Existing Ethics Standards</a:t>
             </a:r>
           </a:p>
         </p:txBody>
@@ -11181,6 +11273,13 @@
   <p:clrMapOvr>
     <a:masterClrMapping/>
   </p:clrMapOvr>
+  <p:timing>
+    <p:tnLst>
+      <p:par>
+        <p:cTn xmlns:p14="http://schemas.microsoft.com/office/powerpoint/2010/main" id="1" dur="indefinite" restart="never" nodeType="tmRoot"/>
+      </p:par>
+    </p:tnLst>
+  </p:timing>
 </p:sld>
 </file>
 
@@ -11264,6 +11363,13 @@
   <p:clrMapOvr>
     <a:masterClrMapping/>
   </p:clrMapOvr>
+  <p:timing>
+    <p:tnLst>
+      <p:par>
+        <p:cTn xmlns:p14="http://schemas.microsoft.com/office/powerpoint/2010/main" id="1" dur="indefinite" restart="never" nodeType="tmRoot"/>
+      </p:par>
+    </p:tnLst>
+  </p:timing>
 </p:sld>
 </file>
 
@@ -11364,6 +11470,13 @@
   <p:clrMapOvr>
     <a:masterClrMapping/>
   </p:clrMapOvr>
+  <p:timing>
+    <p:tnLst>
+      <p:par>
+        <p:cTn xmlns:p14="http://schemas.microsoft.com/office/powerpoint/2010/main" id="1" dur="indefinite" restart="never" nodeType="tmRoot"/>
+      </p:par>
+    </p:tnLst>
+  </p:timing>
 </p:sld>
 </file>
 
@@ -11458,6 +11571,13 @@
   <p:clrMapOvr>
     <a:masterClrMapping/>
   </p:clrMapOvr>
+  <p:timing>
+    <p:tnLst>
+      <p:par>
+        <p:cTn xmlns:p14="http://schemas.microsoft.com/office/powerpoint/2010/main" id="1" dur="indefinite" restart="never" nodeType="tmRoot"/>
+      </p:par>
+    </p:tnLst>
+  </p:timing>
 </p:sld>
 </file>
 
@@ -11520,11 +11640,7 @@
           <a:p>
             <a:r>
               <a:rPr lang="en-US" dirty="0" smtClean="0"/>
-              <a:t>In this class you will not be asked to do anything that is illegal, unethical, or against university policy, so maybe you shouldn’t </a:t>
-            </a:r>
-            <a:r>
-              <a:rPr lang="en-US" dirty="0" smtClean="0"/>
-              <a:t>…</a:t>
+              <a:t>In this class you will not be asked to do anything that is illegal, unethical, or against university policy, so maybe you shouldn’t …</a:t>
             </a:r>
             <a:br>
               <a:rPr lang="en-US" dirty="0" smtClean="0"/>
@@ -11577,6 +11693,13 @@
   <p:clrMapOvr>
     <a:masterClrMapping/>
   </p:clrMapOvr>
+  <p:timing>
+    <p:tnLst>
+      <p:par>
+        <p:cTn xmlns:p14="http://schemas.microsoft.com/office/powerpoint/2010/main" id="1" dur="indefinite" restart="never" nodeType="tmRoot"/>
+      </p:par>
+    </p:tnLst>
+  </p:timing>
 </p:sld>
 </file>
 
@@ -11836,7 +11959,7 @@
     <mc:Choice Requires="p14">
       <p:transition p14:dur="0"/>
     </mc:Choice>
-    <mc:Fallback xmlns:mv="urn:schemas-microsoft-com:mac:vml" xmlns="">
+    <mc:Fallback xmlns="" xmlns:mv="urn:schemas-microsoft-com:mac:vml">
       <p:transition/>
     </mc:Fallback>
   </mc:AlternateContent>
@@ -12045,7 +12168,6 @@
               <a:rPr lang="en-US" dirty="0" smtClean="0"/>
               <a:t>“A typical problem in computer ethics arises because there is a policy vacuum about how computer technology should be used. </a:t>
             </a:r>
-            <a:endParaRPr lang="en-US" dirty="0" smtClean="0"/>
           </a:p>
           <a:p>
             <a:pPr>
@@ -12061,11 +12183,7 @@
             </a:pPr>
             <a:r>
               <a:rPr lang="en-US" dirty="0" smtClean="0"/>
-              <a:t>Computers </a:t>
-            </a:r>
-            <a:r>
-              <a:rPr lang="en-US" dirty="0" smtClean="0"/>
-              <a:t>provide us with </a:t>
+              <a:t>Computers provide us with </a:t>
             </a:r>
             <a:r>
               <a:rPr lang="en-US" b="1" dirty="0" smtClean="0"/>
@@ -12083,7 +12201,6 @@
               <a:rPr lang="en-US" dirty="0" smtClean="0"/>
               <a:t>for action. Often, either no policies for conduct in these situations exist or existing policies seem inadequate. </a:t>
             </a:r>
-            <a:endParaRPr lang="en-US" dirty="0" smtClean="0"/>
           </a:p>
           <a:p>
             <a:pPr>
@@ -12099,11 +12216,7 @@
             </a:pPr>
             <a:r>
               <a:rPr lang="en-US" dirty="0" smtClean="0"/>
-              <a:t>A </a:t>
-            </a:r>
-            <a:r>
-              <a:rPr lang="en-US" dirty="0" smtClean="0"/>
-              <a:t>central task of computer ethics is to determine </a:t>
+              <a:t>A central task of computer ethics is to determine </a:t>
             </a:r>
             <a:r>
               <a:rPr lang="en-US" b="1" dirty="0" smtClean="0"/>
@@ -12111,11 +12224,7 @@
             </a:r>
             <a:r>
               <a:rPr lang="en-US" dirty="0" smtClean="0"/>
-              <a:t>in such cases, i.e., to formulate policies to guide our actions.</a:t>
-            </a:r>
-            <a:r>
-              <a:rPr lang="en-US" dirty="0" smtClean="0"/>
-              <a:t>”</a:t>
+              <a:t>in such cases, i.e., to formulate policies to guide our actions.”</a:t>
             </a:r>
             <a:br>
               <a:rPr lang="en-US" dirty="0" smtClean="0"/>
@@ -12129,15 +12238,7 @@
             </a:pPr>
             <a:r>
               <a:rPr lang="en-US" dirty="0" smtClean="0"/>
-              <a:t>							</a:t>
-            </a:r>
-            <a:r>
-              <a:rPr lang="en-US" dirty="0" smtClean="0"/>
-              <a:t>							-</a:t>
-            </a:r>
-            <a:r>
-              <a:rPr lang="en-US" dirty="0" smtClean="0"/>
-              <a:t>Moor</a:t>
+              <a:t>														-Moor</a:t>
             </a:r>
           </a:p>
         </p:txBody>
@@ -20269,11 +20370,7 @@
             </a:r>
             <a:r>
               <a:rPr lang="en-US" dirty="0" smtClean="0"/>
-              <a:t>, connected to the Internet, </a:t>
-            </a:r>
-            <a:r>
-              <a:rPr lang="en-US" dirty="0" smtClean="0"/>
-              <a:t>that enables </a:t>
+              <a:t>, connected to the Internet, that enables </a:t>
             </a:r>
             <a:r>
               <a:rPr lang="en-US" dirty="0" err="1" smtClean="0"/>
@@ -20693,11 +20790,7 @@
           <a:p>
             <a:r>
               <a:rPr lang="en-US" sz="2400" dirty="0" smtClean="0"/>
-              <a:t>Related but </a:t>
-            </a:r>
-            <a:r>
-              <a:rPr lang="en-US" sz="2400" dirty="0" smtClean="0"/>
-              <a:t>by no means identical (e.g., legal but not ethical, ethical but not legal)</a:t>
+              <a:t>Related but by no means identical (e.g., legal but not ethical, ethical but not legal)</a:t>
             </a:r>
           </a:p>
           <a:p>
@@ -20824,6 +20917,13 @@
   <p:clrMapOvr>
     <a:masterClrMapping/>
   </p:clrMapOvr>
+  <p:timing>
+    <p:tnLst>
+      <p:par>
+        <p:cTn xmlns:p14="http://schemas.microsoft.com/office/powerpoint/2010/main" id="1" dur="indefinite" restart="never" nodeType="tmRoot"/>
+      </p:par>
+    </p:tnLst>
+  </p:timing>
 </p:sld>
 </file>
 
@@ -20902,6 +21002,13 @@
   <p:clrMapOvr>
     <a:masterClrMapping/>
   </p:clrMapOvr>
+  <p:timing>
+    <p:tnLst>
+      <p:par>
+        <p:cTn xmlns:p14="http://schemas.microsoft.com/office/powerpoint/2010/main" id="1" dur="indefinite" restart="never" nodeType="tmRoot"/>
+      </p:par>
+    </p:tnLst>
+  </p:timing>
 </p:sld>
 </file>
 
@@ -21030,6 +21137,13 @@
   <p:clrMapOvr>
     <a:masterClrMapping/>
   </p:clrMapOvr>
+  <p:timing>
+    <p:tnLst>
+      <p:par>
+        <p:cTn xmlns:p14="http://schemas.microsoft.com/office/powerpoint/2010/main" id="1" dur="indefinite" restart="never" nodeType="tmRoot"/>
+      </p:par>
+    </p:tnLst>
+  </p:timing>
 </p:sld>
 </file>
 
@@ -21153,6 +21267,13 @@
   <p:clrMapOvr>
     <a:masterClrMapping/>
   </p:clrMapOvr>
+  <p:timing>
+    <p:tnLst>
+      <p:par>
+        <p:cTn xmlns:p14="http://schemas.microsoft.com/office/powerpoint/2010/main" id="1" dur="indefinite" restart="never" nodeType="tmRoot"/>
+      </p:par>
+    </p:tnLst>
+  </p:timing>
 </p:sld>
 </file>
 

--- a/fall2016/lectures/2-Ethics.pptx
+++ b/fall2016/lectures/2-Ethics.pptx
@@ -239,7 +239,7 @@
           <a:p>
             <a:fld id="{2ECEB4B9-8CA5-7946-BF19-927FD02F3EFF}" type="datetimeFigureOut">
               <a:rPr lang="en-US" smtClean="0"/>
-              <a:t>9/19/16</a:t>
+              <a:t>9/20/16</a:t>
             </a:fld>
             <a:endParaRPr lang="en-US"/>
           </a:p>
@@ -5185,7 +5185,7 @@
           <a:p>
             <a:fld id="{91D897E4-3943-5E43-BF93-4ABB5102C73B}" type="datetimeFigureOut">
               <a:rPr lang="en-US" smtClean="0"/>
-              <a:t>9/19/16</a:t>
+              <a:t>9/20/16</a:t>
             </a:fld>
             <a:endParaRPr lang="en-US"/>
           </a:p>
@@ -5355,7 +5355,7 @@
           <a:p>
             <a:fld id="{91D897E4-3943-5E43-BF93-4ABB5102C73B}" type="datetimeFigureOut">
               <a:rPr lang="en-US" smtClean="0"/>
-              <a:t>9/19/16</a:t>
+              <a:t>9/20/16</a:t>
             </a:fld>
             <a:endParaRPr lang="en-US"/>
           </a:p>
@@ -5535,7 +5535,7 @@
           <a:p>
             <a:fld id="{91D897E4-3943-5E43-BF93-4ABB5102C73B}" type="datetimeFigureOut">
               <a:rPr lang="en-US" smtClean="0"/>
-              <a:t>9/19/16</a:t>
+              <a:t>9/20/16</a:t>
             </a:fld>
             <a:endParaRPr lang="en-US"/>
           </a:p>
@@ -5705,7 +5705,7 @@
           <a:p>
             <a:fld id="{91D897E4-3943-5E43-BF93-4ABB5102C73B}" type="datetimeFigureOut">
               <a:rPr lang="en-US" smtClean="0"/>
-              <a:t>9/19/16</a:t>
+              <a:t>9/20/16</a:t>
             </a:fld>
             <a:endParaRPr lang="en-US"/>
           </a:p>
@@ -5951,7 +5951,7 @@
           <a:p>
             <a:fld id="{91D897E4-3943-5E43-BF93-4ABB5102C73B}" type="datetimeFigureOut">
               <a:rPr lang="en-US" smtClean="0"/>
-              <a:t>9/19/16</a:t>
+              <a:t>9/20/16</a:t>
             </a:fld>
             <a:endParaRPr lang="en-US"/>
           </a:p>
@@ -6239,7 +6239,7 @@
           <a:p>
             <a:fld id="{91D897E4-3943-5E43-BF93-4ABB5102C73B}" type="datetimeFigureOut">
               <a:rPr lang="en-US" smtClean="0"/>
-              <a:t>9/19/16</a:t>
+              <a:t>9/20/16</a:t>
             </a:fld>
             <a:endParaRPr lang="en-US"/>
           </a:p>
@@ -6666,7 +6666,7 @@
           <a:p>
             <a:fld id="{91D897E4-3943-5E43-BF93-4ABB5102C73B}" type="datetimeFigureOut">
               <a:rPr lang="en-US" smtClean="0"/>
-              <a:t>9/19/16</a:t>
+              <a:t>9/20/16</a:t>
             </a:fld>
             <a:endParaRPr lang="en-US"/>
           </a:p>
@@ -6784,7 +6784,7 @@
           <a:p>
             <a:fld id="{91D897E4-3943-5E43-BF93-4ABB5102C73B}" type="datetimeFigureOut">
               <a:rPr lang="en-US" smtClean="0"/>
-              <a:t>9/19/16</a:t>
+              <a:t>9/20/16</a:t>
             </a:fld>
             <a:endParaRPr lang="en-US"/>
           </a:p>
@@ -6879,7 +6879,7 @@
           <a:p>
             <a:fld id="{91D897E4-3943-5E43-BF93-4ABB5102C73B}" type="datetimeFigureOut">
               <a:rPr lang="en-US" smtClean="0"/>
-              <a:t>9/19/16</a:t>
+              <a:t>9/20/16</a:t>
             </a:fld>
             <a:endParaRPr lang="en-US"/>
           </a:p>
@@ -7156,7 +7156,7 @@
           <a:p>
             <a:fld id="{91D897E4-3943-5E43-BF93-4ABB5102C73B}" type="datetimeFigureOut">
               <a:rPr lang="en-US" smtClean="0"/>
-              <a:t>9/19/16</a:t>
+              <a:t>9/20/16</a:t>
             </a:fld>
             <a:endParaRPr lang="en-US"/>
           </a:p>
@@ -7409,7 +7409,7 @@
           <a:p>
             <a:fld id="{91D897E4-3943-5E43-BF93-4ABB5102C73B}" type="datetimeFigureOut">
               <a:rPr lang="en-US" smtClean="0"/>
-              <a:t>9/19/16</a:t>
+              <a:t>9/20/16</a:t>
             </a:fld>
             <a:endParaRPr lang="en-US"/>
           </a:p>
@@ -7622,7 +7622,7 @@
           <a:p>
             <a:fld id="{91D897E4-3943-5E43-BF93-4ABB5102C73B}" type="datetimeFigureOut">
               <a:rPr lang="en-US" smtClean="0"/>
-              <a:t>9/19/16</a:t>
+              <a:t>9/20/16</a:t>
             </a:fld>
             <a:endParaRPr lang="en-US"/>
           </a:p>
@@ -11959,7 +11959,7 @@
     <mc:Choice Requires="p14">
       <p:transition p14:dur="0"/>
     </mc:Choice>
-    <mc:Fallback xmlns="" xmlns:mv="urn:schemas-microsoft-com:mac:vml">
+    <mc:Fallback xmlns:mv="urn:schemas-microsoft-com:mac:vml" xmlns="">
       <p:transition/>
     </mc:Fallback>
   </mc:AlternateContent>

--- a/fall2016/lectures/2-Ethics.pptx
+++ b/fall2016/lectures/2-Ethics.pptx
@@ -239,7 +239,7 @@
           <a:p>
             <a:fld id="{2ECEB4B9-8CA5-7946-BF19-927FD02F3EFF}" type="datetimeFigureOut">
               <a:rPr lang="en-US" smtClean="0"/>
-              <a:t>9/20/16</a:t>
+              <a:t>9/28/16</a:t>
             </a:fld>
             <a:endParaRPr lang="en-US"/>
           </a:p>
@@ -5185,7 +5185,7 @@
           <a:p>
             <a:fld id="{91D897E4-3943-5E43-BF93-4ABB5102C73B}" type="datetimeFigureOut">
               <a:rPr lang="en-US" smtClean="0"/>
-              <a:t>9/20/16</a:t>
+              <a:t>9/28/16</a:t>
             </a:fld>
             <a:endParaRPr lang="en-US"/>
           </a:p>
@@ -5355,7 +5355,7 @@
           <a:p>
             <a:fld id="{91D897E4-3943-5E43-BF93-4ABB5102C73B}" type="datetimeFigureOut">
               <a:rPr lang="en-US" smtClean="0"/>
-              <a:t>9/20/16</a:t>
+              <a:t>9/28/16</a:t>
             </a:fld>
             <a:endParaRPr lang="en-US"/>
           </a:p>
@@ -5535,7 +5535,7 @@
           <a:p>
             <a:fld id="{91D897E4-3943-5E43-BF93-4ABB5102C73B}" type="datetimeFigureOut">
               <a:rPr lang="en-US" smtClean="0"/>
-              <a:t>9/20/16</a:t>
+              <a:t>9/28/16</a:t>
             </a:fld>
             <a:endParaRPr lang="en-US"/>
           </a:p>
@@ -5705,7 +5705,7 @@
           <a:p>
             <a:fld id="{91D897E4-3943-5E43-BF93-4ABB5102C73B}" type="datetimeFigureOut">
               <a:rPr lang="en-US" smtClean="0"/>
-              <a:t>9/20/16</a:t>
+              <a:t>9/28/16</a:t>
             </a:fld>
             <a:endParaRPr lang="en-US"/>
           </a:p>
@@ -5951,7 +5951,7 @@
           <a:p>
             <a:fld id="{91D897E4-3943-5E43-BF93-4ABB5102C73B}" type="datetimeFigureOut">
               <a:rPr lang="en-US" smtClean="0"/>
-              <a:t>9/20/16</a:t>
+              <a:t>9/28/16</a:t>
             </a:fld>
             <a:endParaRPr lang="en-US"/>
           </a:p>
@@ -6239,7 +6239,7 @@
           <a:p>
             <a:fld id="{91D897E4-3943-5E43-BF93-4ABB5102C73B}" type="datetimeFigureOut">
               <a:rPr lang="en-US" smtClean="0"/>
-              <a:t>9/20/16</a:t>
+              <a:t>9/28/16</a:t>
             </a:fld>
             <a:endParaRPr lang="en-US"/>
           </a:p>
@@ -6666,7 +6666,7 @@
           <a:p>
             <a:fld id="{91D897E4-3943-5E43-BF93-4ABB5102C73B}" type="datetimeFigureOut">
               <a:rPr lang="en-US" smtClean="0"/>
-              <a:t>9/20/16</a:t>
+              <a:t>9/28/16</a:t>
             </a:fld>
             <a:endParaRPr lang="en-US"/>
           </a:p>
@@ -6784,7 +6784,7 @@
           <a:p>
             <a:fld id="{91D897E4-3943-5E43-BF93-4ABB5102C73B}" type="datetimeFigureOut">
               <a:rPr lang="en-US" smtClean="0"/>
-              <a:t>9/20/16</a:t>
+              <a:t>9/28/16</a:t>
             </a:fld>
             <a:endParaRPr lang="en-US"/>
           </a:p>
@@ -6879,7 +6879,7 @@
           <a:p>
             <a:fld id="{91D897E4-3943-5E43-BF93-4ABB5102C73B}" type="datetimeFigureOut">
               <a:rPr lang="en-US" smtClean="0"/>
-              <a:t>9/20/16</a:t>
+              <a:t>9/28/16</a:t>
             </a:fld>
             <a:endParaRPr lang="en-US"/>
           </a:p>
@@ -7156,7 +7156,7 @@
           <a:p>
             <a:fld id="{91D897E4-3943-5E43-BF93-4ABB5102C73B}" type="datetimeFigureOut">
               <a:rPr lang="en-US" smtClean="0"/>
-              <a:t>9/20/16</a:t>
+              <a:t>9/28/16</a:t>
             </a:fld>
             <a:endParaRPr lang="en-US"/>
           </a:p>
@@ -7409,7 +7409,7 @@
           <a:p>
             <a:fld id="{91D897E4-3943-5E43-BF93-4ABB5102C73B}" type="datetimeFigureOut">
               <a:rPr lang="en-US" smtClean="0"/>
-              <a:t>9/20/16</a:t>
+              <a:t>9/28/16</a:t>
             </a:fld>
             <a:endParaRPr lang="en-US"/>
           </a:p>
@@ -7622,7 +7622,7 @@
           <a:p>
             <a:fld id="{91D897E4-3943-5E43-BF93-4ABB5102C73B}" type="datetimeFigureOut">
               <a:rPr lang="en-US" smtClean="0"/>
-              <a:t>9/20/16</a:t>
+              <a:t>9/28/16</a:t>
             </a:fld>
             <a:endParaRPr lang="en-US"/>
           </a:p>
@@ -11959,7 +11959,7 @@
     <mc:Choice Requires="p14">
       <p:transition p14:dur="0"/>
     </mc:Choice>
-    <mc:Fallback xmlns:mv="urn:schemas-microsoft-com:mac:vml" xmlns="">
+    <mc:Fallback xmlns="" xmlns:mv="urn:schemas-microsoft-com:mac:vml">
       <p:transition/>
     </mc:Fallback>
   </mc:AlternateContent>
